--- a/24.05.08/Project_AR_done.pptx
+++ b/24.05.08/Project_AR_done.pptx
@@ -127,334 +127,6 @@
 </p1510:revInfo>
 </file>
 
-<file path=ppt/changesInfos/changesInfo1.xml><?xml version="1.0" encoding="utf-8"?>
-<pc:chgInfo xmlns:a="http://schemas.openxmlformats.org/drawingml/2006/main" xmlns:r="http://schemas.openxmlformats.org/officeDocument/2006/relationships" xmlns:ac="http://schemas.microsoft.com/office/drawing/2013/main/command" xmlns:pc="http://schemas.microsoft.com/office/powerpoint/2013/main/command">
-  <pc:docChgLst>
-    <pc:chgData name="Reupsch, Jean-Michel" userId="S::it25breupschj@365.bk-lk.de::8bfbb7cf-cdab-4c12-a24a-8e4eee810e45" providerId="AD" clId="Web-{E5B99026-DC48-FC3A-1FA1-B5C3E84948D2}"/>
-    <pc:docChg chg="addSld modSld sldOrd">
-      <pc:chgData name="Reupsch, Jean-Michel" userId="S::it25breupschj@365.bk-lk.de::8bfbb7cf-cdab-4c12-a24a-8e4eee810e45" providerId="AD" clId="Web-{E5B99026-DC48-FC3A-1FA1-B5C3E84948D2}" dt="2024-06-05T07:39:12.164" v="296" actId="20577"/>
-      <pc:docMkLst>
-        <pc:docMk/>
-      </pc:docMkLst>
-      <pc:sldChg chg="addSp delSp modSp new ord">
-        <pc:chgData name="Reupsch, Jean-Michel" userId="S::it25breupschj@365.bk-lk.de::8bfbb7cf-cdab-4c12-a24a-8e4eee810e45" providerId="AD" clId="Web-{E5B99026-DC48-FC3A-1FA1-B5C3E84948D2}" dt="2024-06-05T07:30:49.091" v="172" actId="20577"/>
-        <pc:sldMkLst>
-          <pc:docMk/>
-          <pc:sldMk cId="2500978619" sldId="261"/>
-        </pc:sldMkLst>
-        <pc:spChg chg="mod">
-          <ac:chgData name="Reupsch, Jean-Michel" userId="S::it25breupschj@365.bk-lk.de::8bfbb7cf-cdab-4c12-a24a-8e4eee810e45" providerId="AD" clId="Web-{E5B99026-DC48-FC3A-1FA1-B5C3E84948D2}" dt="2024-06-05T07:12:38.694" v="4" actId="20577"/>
-          <ac:spMkLst>
-            <pc:docMk/>
-            <pc:sldMk cId="2500978619" sldId="261"/>
-            <ac:spMk id="2" creationId="{C0557C94-984D-77AF-BD56-F5665531E8AE}"/>
-          </ac:spMkLst>
-        </pc:spChg>
-        <pc:spChg chg="del mod">
-          <ac:chgData name="Reupsch, Jean-Michel" userId="S::it25breupschj@365.bk-lk.de::8bfbb7cf-cdab-4c12-a24a-8e4eee810e45" providerId="AD" clId="Web-{E5B99026-DC48-FC3A-1FA1-B5C3E84948D2}" dt="2024-06-05T07:24:25.161" v="31"/>
-          <ac:spMkLst>
-            <pc:docMk/>
-            <pc:sldMk cId="2500978619" sldId="261"/>
-            <ac:spMk id="3" creationId="{9C9D1604-B6E4-0BE4-6CF0-87B14E566FAB}"/>
-          </ac:spMkLst>
-        </pc:spChg>
-        <pc:spChg chg="add del mod">
-          <ac:chgData name="Reupsch, Jean-Michel" userId="S::it25breupschj@365.bk-lk.de::8bfbb7cf-cdab-4c12-a24a-8e4eee810e45" providerId="AD" clId="Web-{E5B99026-DC48-FC3A-1FA1-B5C3E84948D2}" dt="2024-06-05T07:24:29.240" v="32"/>
-          <ac:spMkLst>
-            <pc:docMk/>
-            <pc:sldMk cId="2500978619" sldId="261"/>
-            <ac:spMk id="5" creationId="{62862EA5-A9A7-9B4C-A0B4-750DE0485950}"/>
-          </ac:spMkLst>
-        </pc:spChg>
-        <pc:spChg chg="add del">
-          <ac:chgData name="Reupsch, Jean-Michel" userId="S::it25breupschj@365.bk-lk.de::8bfbb7cf-cdab-4c12-a24a-8e4eee810e45" providerId="AD" clId="Web-{E5B99026-DC48-FC3A-1FA1-B5C3E84948D2}" dt="2024-06-05T07:24:38.974" v="34"/>
-          <ac:spMkLst>
-            <pc:docMk/>
-            <pc:sldMk cId="2500978619" sldId="261"/>
-            <ac:spMk id="6" creationId="{5C8F518A-8C59-6124-562D-EFE6D76786D3}"/>
-          </ac:spMkLst>
-        </pc:spChg>
-        <pc:spChg chg="add mod">
-          <ac:chgData name="Reupsch, Jean-Michel" userId="S::it25breupschj@365.bk-lk.de::8bfbb7cf-cdab-4c12-a24a-8e4eee810e45" providerId="AD" clId="Web-{E5B99026-DC48-FC3A-1FA1-B5C3E84948D2}" dt="2024-06-05T07:25:01.147" v="46" actId="1076"/>
-          <ac:spMkLst>
-            <pc:docMk/>
-            <pc:sldMk cId="2500978619" sldId="261"/>
-            <ac:spMk id="7" creationId="{7017EF08-13FC-5F82-26BE-B41F0B270EB6}"/>
-          </ac:spMkLst>
-        </pc:spChg>
-        <pc:spChg chg="add del mod">
-          <ac:chgData name="Reupsch, Jean-Michel" userId="S::it25breupschj@365.bk-lk.de::8bfbb7cf-cdab-4c12-a24a-8e4eee810e45" providerId="AD" clId="Web-{E5B99026-DC48-FC3A-1FA1-B5C3E84948D2}" dt="2024-06-05T07:25:38.475" v="53"/>
-          <ac:spMkLst>
-            <pc:docMk/>
-            <pc:sldMk cId="2500978619" sldId="261"/>
-            <ac:spMk id="8" creationId="{A33877CA-F645-19D5-668B-908250CE93D9}"/>
-          </ac:spMkLst>
-        </pc:spChg>
-        <pc:spChg chg="add mod">
-          <ac:chgData name="Reupsch, Jean-Michel" userId="S::it25breupschj@365.bk-lk.de::8bfbb7cf-cdab-4c12-a24a-8e4eee810e45" providerId="AD" clId="Web-{E5B99026-DC48-FC3A-1FA1-B5C3E84948D2}" dt="2024-06-05T07:30:49.091" v="172" actId="20577"/>
-          <ac:spMkLst>
-            <pc:docMk/>
-            <pc:sldMk cId="2500978619" sldId="261"/>
-            <ac:spMk id="10" creationId="{0DC38046-84CC-9D8B-BF0E-261FD306C213}"/>
-          </ac:spMkLst>
-        </pc:spChg>
-        <pc:picChg chg="add mod">
-          <ac:chgData name="Reupsch, Jean-Michel" userId="S::it25breupschj@365.bk-lk.de::8bfbb7cf-cdab-4c12-a24a-8e4eee810e45" providerId="AD" clId="Web-{E5B99026-DC48-FC3A-1FA1-B5C3E84948D2}" dt="2024-06-05T07:26:25.476" v="65" actId="1076"/>
-          <ac:picMkLst>
-            <pc:docMk/>
-            <pc:sldMk cId="2500978619" sldId="261"/>
-            <ac:picMk id="9" creationId="{04C34F69-F7EF-73DA-2A27-8216EEDDF5F6}"/>
-          </ac:picMkLst>
-        </pc:picChg>
-      </pc:sldChg>
-      <pc:sldChg chg="addSp modSp new">
-        <pc:chgData name="Reupsch, Jean-Michel" userId="S::it25breupschj@365.bk-lk.de::8bfbb7cf-cdab-4c12-a24a-8e4eee810e45" providerId="AD" clId="Web-{E5B99026-DC48-FC3A-1FA1-B5C3E84948D2}" dt="2024-06-05T07:38:43.335" v="291" actId="14100"/>
-        <pc:sldMkLst>
-          <pc:docMk/>
-          <pc:sldMk cId="2953324740" sldId="262"/>
-        </pc:sldMkLst>
-        <pc:spChg chg="mod">
-          <ac:chgData name="Reupsch, Jean-Michel" userId="S::it25breupschj@365.bk-lk.de::8bfbb7cf-cdab-4c12-a24a-8e4eee810e45" providerId="AD" clId="Web-{E5B99026-DC48-FC3A-1FA1-B5C3E84948D2}" dt="2024-06-05T07:12:56.007" v="9" actId="20577"/>
-          <ac:spMkLst>
-            <pc:docMk/>
-            <pc:sldMk cId="2953324740" sldId="262"/>
-            <ac:spMk id="2" creationId="{D0D5709D-8D56-233F-BA8F-F894B5E0A7E2}"/>
-          </ac:spMkLst>
-        </pc:spChg>
-        <pc:spChg chg="mod">
-          <ac:chgData name="Reupsch, Jean-Michel" userId="S::it25breupschj@365.bk-lk.de::8bfbb7cf-cdab-4c12-a24a-8e4eee810e45" providerId="AD" clId="Web-{E5B99026-DC48-FC3A-1FA1-B5C3E84948D2}" dt="2024-06-05T07:37:26.833" v="280" actId="14100"/>
-          <ac:spMkLst>
-            <pc:docMk/>
-            <pc:sldMk cId="2953324740" sldId="262"/>
-            <ac:spMk id="3" creationId="{86A12DE9-47A5-0FD5-F2CC-30D5D3109820}"/>
-          </ac:spMkLst>
-        </pc:spChg>
-        <pc:picChg chg="add mod">
-          <ac:chgData name="Reupsch, Jean-Michel" userId="S::it25breupschj@365.bk-lk.de::8bfbb7cf-cdab-4c12-a24a-8e4eee810e45" providerId="AD" clId="Web-{E5B99026-DC48-FC3A-1FA1-B5C3E84948D2}" dt="2024-06-05T07:38:10.709" v="285" actId="1076"/>
-          <ac:picMkLst>
-            <pc:docMk/>
-            <pc:sldMk cId="2953324740" sldId="262"/>
-            <ac:picMk id="4" creationId="{0EB229D5-3F52-D018-391C-1EF87CCE768A}"/>
-          </ac:picMkLst>
-        </pc:picChg>
-        <pc:picChg chg="add mod">
-          <ac:chgData name="Reupsch, Jean-Michel" userId="S::it25breupschj@365.bk-lk.de::8bfbb7cf-cdab-4c12-a24a-8e4eee810e45" providerId="AD" clId="Web-{E5B99026-DC48-FC3A-1FA1-B5C3E84948D2}" dt="2024-06-05T07:38:43.335" v="291" actId="14100"/>
-          <ac:picMkLst>
-            <pc:docMk/>
-            <pc:sldMk cId="2953324740" sldId="262"/>
-            <ac:picMk id="5" creationId="{53D0C875-2D88-0E41-C853-30F8ACB6C9AD}"/>
-          </ac:picMkLst>
-        </pc:picChg>
-      </pc:sldChg>
-      <pc:sldChg chg="modSp new">
-        <pc:chgData name="Reupsch, Jean-Michel" userId="S::it25breupschj@365.bk-lk.de::8bfbb7cf-cdab-4c12-a24a-8e4eee810e45" providerId="AD" clId="Web-{E5B99026-DC48-FC3A-1FA1-B5C3E84948D2}" dt="2024-06-05T07:39:12.164" v="296" actId="20577"/>
-        <pc:sldMkLst>
-          <pc:docMk/>
-          <pc:sldMk cId="2091926261" sldId="263"/>
-        </pc:sldMkLst>
-        <pc:spChg chg="mod">
-          <ac:chgData name="Reupsch, Jean-Michel" userId="S::it25breupschj@365.bk-lk.de::8bfbb7cf-cdab-4c12-a24a-8e4eee810e45" providerId="AD" clId="Web-{E5B99026-DC48-FC3A-1FA1-B5C3E84948D2}" dt="2024-06-05T07:26:01.195" v="61" actId="20577"/>
-          <ac:spMkLst>
-            <pc:docMk/>
-            <pc:sldMk cId="2091926261" sldId="263"/>
-            <ac:spMk id="2" creationId="{2963129F-01BC-AF87-C0D1-53B7135D9A41}"/>
-          </ac:spMkLst>
-        </pc:spChg>
-        <pc:spChg chg="mod">
-          <ac:chgData name="Reupsch, Jean-Michel" userId="S::it25breupschj@365.bk-lk.de::8bfbb7cf-cdab-4c12-a24a-8e4eee810e45" providerId="AD" clId="Web-{E5B99026-DC48-FC3A-1FA1-B5C3E84948D2}" dt="2024-06-05T07:39:12.164" v="296" actId="20577"/>
-          <ac:spMkLst>
-            <pc:docMk/>
-            <pc:sldMk cId="2091926261" sldId="263"/>
-            <ac:spMk id="3" creationId="{EC0762F1-FBE1-440F-FB73-A50B4B73D090}"/>
-          </ac:spMkLst>
-        </pc:spChg>
-      </pc:sldChg>
-    </pc:docChg>
-  </pc:docChgLst>
-  <pc:docChgLst>
-    <pc:chgData name="IT25BLeyserP" userId="5e18e435-90e2-4155-b0bb-738b254f3c79" providerId="ADAL" clId="{12EAC69D-0E4C-4377-AD3E-56F5158F3FE1}"/>
-    <pc:docChg chg="undo custSel addSld delSld modSld">
-      <pc:chgData name="IT25BLeyserP" userId="5e18e435-90e2-4155-b0bb-738b254f3c79" providerId="ADAL" clId="{12EAC69D-0E4C-4377-AD3E-56F5158F3FE1}" dt="2024-05-15T12:01:35.154" v="217" actId="20577"/>
-      <pc:docMkLst>
-        <pc:docMk/>
-      </pc:docMkLst>
-      <pc:sldChg chg="addSp modSp new mod">
-        <pc:chgData name="IT25BLeyserP" userId="5e18e435-90e2-4155-b0bb-738b254f3c79" providerId="ADAL" clId="{12EAC69D-0E4C-4377-AD3E-56F5158F3FE1}" dt="2024-05-15T11:20:34.776" v="110" actId="1076"/>
-        <pc:sldMkLst>
-          <pc:docMk/>
-          <pc:sldMk cId="2797062457" sldId="258"/>
-        </pc:sldMkLst>
-        <pc:spChg chg="mod">
-          <ac:chgData name="IT25BLeyserP" userId="5e18e435-90e2-4155-b0bb-738b254f3c79" providerId="ADAL" clId="{12EAC69D-0E4C-4377-AD3E-56F5158F3FE1}" dt="2024-05-15T11:08:49.698" v="2" actId="20577"/>
-          <ac:spMkLst>
-            <pc:docMk/>
-            <pc:sldMk cId="2797062457" sldId="258"/>
-            <ac:spMk id="2" creationId="{68B69365-C6A7-90C9-4A3A-50D0D79D17D1}"/>
-          </ac:spMkLst>
-        </pc:spChg>
-        <pc:spChg chg="mod">
-          <ac:chgData name="IT25BLeyserP" userId="5e18e435-90e2-4155-b0bb-738b254f3c79" providerId="ADAL" clId="{12EAC69D-0E4C-4377-AD3E-56F5158F3FE1}" dt="2024-05-15T11:12:35.946" v="91" actId="20577"/>
-          <ac:spMkLst>
-            <pc:docMk/>
-            <pc:sldMk cId="2797062457" sldId="258"/>
-            <ac:spMk id="3" creationId="{EB8A9874-8EEA-44F8-B1BD-883A89806924}"/>
-          </ac:spMkLst>
-        </pc:spChg>
-        <pc:picChg chg="add mod">
-          <ac:chgData name="IT25BLeyserP" userId="5e18e435-90e2-4155-b0bb-738b254f3c79" providerId="ADAL" clId="{12EAC69D-0E4C-4377-AD3E-56F5158F3FE1}" dt="2024-05-15T11:15:54.334" v="96" actId="1076"/>
-          <ac:picMkLst>
-            <pc:docMk/>
-            <pc:sldMk cId="2797062457" sldId="258"/>
-            <ac:picMk id="4" creationId="{253BB306-8103-DC20-C678-52A8040D907C}"/>
-          </ac:picMkLst>
-        </pc:picChg>
-        <pc:picChg chg="add mod">
-          <ac:chgData name="IT25BLeyserP" userId="5e18e435-90e2-4155-b0bb-738b254f3c79" providerId="ADAL" clId="{12EAC69D-0E4C-4377-AD3E-56F5158F3FE1}" dt="2024-05-15T11:20:34.776" v="110" actId="1076"/>
-          <ac:picMkLst>
-            <pc:docMk/>
-            <pc:sldMk cId="2797062457" sldId="258"/>
-            <ac:picMk id="1026" creationId="{DBB39B7C-49E2-4024-A029-BBE8ED3A6971}"/>
-          </ac:picMkLst>
-        </pc:picChg>
-        <pc:picChg chg="add mod">
-          <ac:chgData name="IT25BLeyserP" userId="5e18e435-90e2-4155-b0bb-738b254f3c79" providerId="ADAL" clId="{12EAC69D-0E4C-4377-AD3E-56F5158F3FE1}" dt="2024-05-15T11:20:33.347" v="109" actId="1076"/>
-          <ac:picMkLst>
-            <pc:docMk/>
-            <pc:sldMk cId="2797062457" sldId="258"/>
-            <ac:picMk id="1028" creationId="{A71EA810-C77C-8094-3E1F-A34E864D54CF}"/>
-          </ac:picMkLst>
-        </pc:picChg>
-      </pc:sldChg>
-      <pc:sldChg chg="addSp delSp modSp new mod">
-        <pc:chgData name="IT25BLeyserP" userId="5e18e435-90e2-4155-b0bb-738b254f3c79" providerId="ADAL" clId="{12EAC69D-0E4C-4377-AD3E-56F5158F3FE1}" dt="2024-05-15T11:58:04.106" v="168" actId="1076"/>
-        <pc:sldMkLst>
-          <pc:docMk/>
-          <pc:sldMk cId="3028442552" sldId="259"/>
-        </pc:sldMkLst>
-        <pc:spChg chg="mod">
-          <ac:chgData name="IT25BLeyserP" userId="5e18e435-90e2-4155-b0bb-738b254f3c79" providerId="ADAL" clId="{12EAC69D-0E4C-4377-AD3E-56F5158F3FE1}" dt="2024-05-15T11:37:07.316" v="131"/>
-          <ac:spMkLst>
-            <pc:docMk/>
-            <pc:sldMk cId="3028442552" sldId="259"/>
-            <ac:spMk id="2" creationId="{632B9E40-1291-E54A-8F26-0FAB525E0166}"/>
-          </ac:spMkLst>
-        </pc:spChg>
-        <pc:spChg chg="mod">
-          <ac:chgData name="IT25BLeyserP" userId="5e18e435-90e2-4155-b0bb-738b254f3c79" providerId="ADAL" clId="{12EAC69D-0E4C-4377-AD3E-56F5158F3FE1}" dt="2024-05-15T11:38:48.784" v="145"/>
-          <ac:spMkLst>
-            <pc:docMk/>
-            <pc:sldMk cId="3028442552" sldId="259"/>
-            <ac:spMk id="3" creationId="{FEB97A63-EDC0-0E22-7DBE-61BAE400F7D5}"/>
-          </ac:spMkLst>
-        </pc:spChg>
-        <pc:spChg chg="add del">
-          <ac:chgData name="IT25BLeyserP" userId="5e18e435-90e2-4155-b0bb-738b254f3c79" providerId="ADAL" clId="{12EAC69D-0E4C-4377-AD3E-56F5158F3FE1}" dt="2024-05-15T11:36:55.742" v="130" actId="22"/>
-          <ac:spMkLst>
-            <pc:docMk/>
-            <pc:sldMk cId="3028442552" sldId="259"/>
-            <ac:spMk id="5" creationId="{6D935909-A318-67A9-C05E-38527AF35528}"/>
-          </ac:spMkLst>
-        </pc:spChg>
-        <pc:picChg chg="add mod">
-          <ac:chgData name="IT25BLeyserP" userId="5e18e435-90e2-4155-b0bb-738b254f3c79" providerId="ADAL" clId="{12EAC69D-0E4C-4377-AD3E-56F5158F3FE1}" dt="2024-05-15T11:48:32.572" v="156" actId="14100"/>
-          <ac:picMkLst>
-            <pc:docMk/>
-            <pc:sldMk cId="3028442552" sldId="259"/>
-            <ac:picMk id="2050" creationId="{EEFA356F-61D4-1F3B-02C1-15D980EB05D5}"/>
-          </ac:picMkLst>
-        </pc:picChg>
-        <pc:picChg chg="add mod">
-          <ac:chgData name="IT25BLeyserP" userId="5e18e435-90e2-4155-b0bb-738b254f3c79" providerId="ADAL" clId="{12EAC69D-0E4C-4377-AD3E-56F5158F3FE1}" dt="2024-05-15T11:48:37.137" v="158" actId="14100"/>
-          <ac:picMkLst>
-            <pc:docMk/>
-            <pc:sldMk cId="3028442552" sldId="259"/>
-            <ac:picMk id="2052" creationId="{8303E819-7223-D32A-F9B6-69776278E71A}"/>
-          </ac:picMkLst>
-        </pc:picChg>
-        <pc:picChg chg="add mod">
-          <ac:chgData name="IT25BLeyserP" userId="5e18e435-90e2-4155-b0bb-738b254f3c79" providerId="ADAL" clId="{12EAC69D-0E4C-4377-AD3E-56F5158F3FE1}" dt="2024-05-15T11:56:51.053" v="163" actId="14100"/>
-          <ac:picMkLst>
-            <pc:docMk/>
-            <pc:sldMk cId="3028442552" sldId="259"/>
-            <ac:picMk id="2054" creationId="{9AF51F19-2D95-F745-3E51-A23A7A484860}"/>
-          </ac:picMkLst>
-        </pc:picChg>
-        <pc:picChg chg="add mod">
-          <ac:chgData name="IT25BLeyserP" userId="5e18e435-90e2-4155-b0bb-738b254f3c79" providerId="ADAL" clId="{12EAC69D-0E4C-4377-AD3E-56F5158F3FE1}" dt="2024-05-15T11:58:04.106" v="168" actId="1076"/>
-          <ac:picMkLst>
-            <pc:docMk/>
-            <pc:sldMk cId="3028442552" sldId="259"/>
-            <ac:picMk id="2056" creationId="{BF651B17-BF9C-9EF0-FAFF-5FBFEF66C616}"/>
-          </ac:picMkLst>
-        </pc:picChg>
-      </pc:sldChg>
-      <pc:sldChg chg="modSp new mod">
-        <pc:chgData name="IT25BLeyserP" userId="5e18e435-90e2-4155-b0bb-738b254f3c79" providerId="ADAL" clId="{12EAC69D-0E4C-4377-AD3E-56F5158F3FE1}" dt="2024-05-15T12:01:35.154" v="217" actId="20577"/>
-        <pc:sldMkLst>
-          <pc:docMk/>
-          <pc:sldMk cId="898401030" sldId="260"/>
-        </pc:sldMkLst>
-        <pc:spChg chg="mod">
-          <ac:chgData name="IT25BLeyserP" userId="5e18e435-90e2-4155-b0bb-738b254f3c79" providerId="ADAL" clId="{12EAC69D-0E4C-4377-AD3E-56F5158F3FE1}" dt="2024-05-15T11:59:28.517" v="181"/>
-          <ac:spMkLst>
-            <pc:docMk/>
-            <pc:sldMk cId="898401030" sldId="260"/>
-            <ac:spMk id="2" creationId="{3CFC02F6-5848-66F0-4311-EC3F32AC31CC}"/>
-          </ac:spMkLst>
-        </pc:spChg>
-        <pc:spChg chg="mod">
-          <ac:chgData name="IT25BLeyserP" userId="5e18e435-90e2-4155-b0bb-738b254f3c79" providerId="ADAL" clId="{12EAC69D-0E4C-4377-AD3E-56F5158F3FE1}" dt="2024-05-15T11:59:36.879" v="182"/>
-          <ac:spMkLst>
-            <pc:docMk/>
-            <pc:sldMk cId="898401030" sldId="260"/>
-            <ac:spMk id="3" creationId="{3C3DC3E9-43D3-F591-DD63-C0E92116ACEE}"/>
-          </ac:spMkLst>
-        </pc:spChg>
-        <pc:spChg chg="mod">
-          <ac:chgData name="IT25BLeyserP" userId="5e18e435-90e2-4155-b0bb-738b254f3c79" providerId="ADAL" clId="{12EAC69D-0E4C-4377-AD3E-56F5158F3FE1}" dt="2024-05-15T12:00:10.857" v="189" actId="20577"/>
-          <ac:spMkLst>
-            <pc:docMk/>
-            <pc:sldMk cId="898401030" sldId="260"/>
-            <ac:spMk id="4" creationId="{6D509980-D284-ACBA-1266-D901CBA939CC}"/>
-          </ac:spMkLst>
-        </pc:spChg>
-        <pc:spChg chg="mod">
-          <ac:chgData name="IT25BLeyserP" userId="5e18e435-90e2-4155-b0bb-738b254f3c79" providerId="ADAL" clId="{12EAC69D-0E4C-4377-AD3E-56F5158F3FE1}" dt="2024-05-15T12:01:35.154" v="217" actId="20577"/>
-          <ac:spMkLst>
-            <pc:docMk/>
-            <pc:sldMk cId="898401030" sldId="260"/>
-            <ac:spMk id="5" creationId="{FF5B5ED8-74A6-7419-03EA-C5E3CB9AE3E1}"/>
-          </ac:spMkLst>
-        </pc:spChg>
-        <pc:spChg chg="mod">
-          <ac:chgData name="IT25BLeyserP" userId="5e18e435-90e2-4155-b0bb-738b254f3c79" providerId="ADAL" clId="{12EAC69D-0E4C-4377-AD3E-56F5158F3FE1}" dt="2024-05-15T12:00:49.781" v="194" actId="20577"/>
-          <ac:spMkLst>
-            <pc:docMk/>
-            <pc:sldMk cId="898401030" sldId="260"/>
-            <ac:spMk id="6" creationId="{73AB1A57-71FA-0014-88D8-B45A6E9B0E20}"/>
-          </ac:spMkLst>
-        </pc:spChg>
-      </pc:sldChg>
-      <pc:sldChg chg="modSp new del mod">
-        <pc:chgData name="IT25BLeyserP" userId="5e18e435-90e2-4155-b0bb-738b254f3c79" providerId="ADAL" clId="{12EAC69D-0E4C-4377-AD3E-56F5158F3FE1}" dt="2024-05-15T11:59:21.974" v="179" actId="2696"/>
-        <pc:sldMkLst>
-          <pc:docMk/>
-          <pc:sldMk cId="2935693117" sldId="260"/>
-        </pc:sldMkLst>
-        <pc:spChg chg="mod">
-          <ac:chgData name="IT25BLeyserP" userId="5e18e435-90e2-4155-b0bb-738b254f3c79" providerId="ADAL" clId="{12EAC69D-0E4C-4377-AD3E-56F5158F3FE1}" dt="2024-05-15T11:59:17.121" v="178" actId="21"/>
-          <ac:spMkLst>
-            <pc:docMk/>
-            <pc:sldMk cId="2935693117" sldId="260"/>
-            <ac:spMk id="2" creationId="{B488EC43-BCDB-0E58-7A52-983B64E439C2}"/>
-          </ac:spMkLst>
-        </pc:spChg>
-      </pc:sldChg>
-    </pc:docChg>
-  </pc:docChgLst>
-</pc:chgInfo>
-</file>
-
 <file path=ppt/slideLayouts/slideLayout1.xml><?xml version="1.0" encoding="utf-8"?>
 <p:sldLayout xmlns:a="http://schemas.openxmlformats.org/drawingml/2006/main" xmlns:r="http://schemas.openxmlformats.org/officeDocument/2006/relationships" xmlns:p="http://schemas.openxmlformats.org/presentationml/2006/main" type="title" preserve="1">
   <p:cSld name="Titelfolie">
@@ -602,7 +274,7 @@
           <a:p>
             <a:fld id="{52EA59EF-18C6-4C36-B608-4FD5CE31EA40}" type="datetimeFigureOut">
               <a:rPr lang="de-DE" smtClean="0"/>
-              <a:t>05.06.2024</a:t>
+              <a:t>06.06.2024</a:t>
             </a:fld>
             <a:endParaRPr lang="de-DE"/>
           </a:p>
@@ -800,7 +472,7 @@
           <a:p>
             <a:fld id="{52EA59EF-18C6-4C36-B608-4FD5CE31EA40}" type="datetimeFigureOut">
               <a:rPr lang="de-DE" smtClean="0"/>
-              <a:t>05.06.2024</a:t>
+              <a:t>06.06.2024</a:t>
             </a:fld>
             <a:endParaRPr lang="de-DE"/>
           </a:p>
@@ -1008,7 +680,7 @@
           <a:p>
             <a:fld id="{52EA59EF-18C6-4C36-B608-4FD5CE31EA40}" type="datetimeFigureOut">
               <a:rPr lang="de-DE" smtClean="0"/>
-              <a:t>05.06.2024</a:t>
+              <a:t>06.06.2024</a:t>
             </a:fld>
             <a:endParaRPr lang="de-DE"/>
           </a:p>
@@ -1206,7 +878,7 @@
           <a:p>
             <a:fld id="{52EA59EF-18C6-4C36-B608-4FD5CE31EA40}" type="datetimeFigureOut">
               <a:rPr lang="de-DE" smtClean="0"/>
-              <a:t>05.06.2024</a:t>
+              <a:t>06.06.2024</a:t>
             </a:fld>
             <a:endParaRPr lang="de-DE"/>
           </a:p>
@@ -1481,7 +1153,7 @@
           <a:p>
             <a:fld id="{52EA59EF-18C6-4C36-B608-4FD5CE31EA40}" type="datetimeFigureOut">
               <a:rPr lang="de-DE" smtClean="0"/>
-              <a:t>05.06.2024</a:t>
+              <a:t>06.06.2024</a:t>
             </a:fld>
             <a:endParaRPr lang="de-DE"/>
           </a:p>
@@ -1746,7 +1418,7 @@
           <a:p>
             <a:fld id="{52EA59EF-18C6-4C36-B608-4FD5CE31EA40}" type="datetimeFigureOut">
               <a:rPr lang="de-DE" smtClean="0"/>
-              <a:t>05.06.2024</a:t>
+              <a:t>06.06.2024</a:t>
             </a:fld>
             <a:endParaRPr lang="de-DE"/>
           </a:p>
@@ -2158,7 +1830,7 @@
           <a:p>
             <a:fld id="{52EA59EF-18C6-4C36-B608-4FD5CE31EA40}" type="datetimeFigureOut">
               <a:rPr lang="de-DE" smtClean="0"/>
-              <a:t>05.06.2024</a:t>
+              <a:t>06.06.2024</a:t>
             </a:fld>
             <a:endParaRPr lang="de-DE"/>
           </a:p>
@@ -2299,7 +1971,7 @@
           <a:p>
             <a:fld id="{52EA59EF-18C6-4C36-B608-4FD5CE31EA40}" type="datetimeFigureOut">
               <a:rPr lang="de-DE" smtClean="0"/>
-              <a:t>05.06.2024</a:t>
+              <a:t>06.06.2024</a:t>
             </a:fld>
             <a:endParaRPr lang="de-DE"/>
           </a:p>
@@ -2412,7 +2084,7 @@
           <a:p>
             <a:fld id="{52EA59EF-18C6-4C36-B608-4FD5CE31EA40}" type="datetimeFigureOut">
               <a:rPr lang="de-DE" smtClean="0"/>
-              <a:t>05.06.2024</a:t>
+              <a:t>06.06.2024</a:t>
             </a:fld>
             <a:endParaRPr lang="de-DE"/>
           </a:p>
@@ -2723,7 +2395,7 @@
           <a:p>
             <a:fld id="{52EA59EF-18C6-4C36-B608-4FD5CE31EA40}" type="datetimeFigureOut">
               <a:rPr lang="de-DE" smtClean="0"/>
-              <a:t>05.06.2024</a:t>
+              <a:t>06.06.2024</a:t>
             </a:fld>
             <a:endParaRPr lang="de-DE"/>
           </a:p>
@@ -3011,7 +2683,7 @@
           <a:p>
             <a:fld id="{52EA59EF-18C6-4C36-B608-4FD5CE31EA40}" type="datetimeFigureOut">
               <a:rPr lang="de-DE" smtClean="0"/>
-              <a:t>05.06.2024</a:t>
+              <a:t>06.06.2024</a:t>
             </a:fld>
             <a:endParaRPr lang="de-DE"/>
           </a:p>
@@ -3252,7 +2924,7 @@
           <a:p>
             <a:fld id="{52EA59EF-18C6-4C36-B608-4FD5CE31EA40}" type="datetimeFigureOut">
               <a:rPr lang="de-DE" smtClean="0"/>
-              <a:t>05.06.2024</a:t>
+              <a:t>06.06.2024</a:t>
             </a:fld>
             <a:endParaRPr lang="de-DE"/>
           </a:p>
@@ -5404,7 +5076,7 @@
       </p:sp>
       <p:pic>
         <p:nvPicPr>
-          <p:cNvPr id="4" name="Grafik 3">
+          <p:cNvPr id="4" name="Grafik 3" descr="Ein Bild, das Text, Screenshot, Diagramm, Betriebssystem enthält.&#10;&#10;Automatisch generierte Beschreibung">
             <a:extLst>
               <a:ext uri="{FF2B5EF4-FFF2-40B4-BE49-F238E27FC236}">
                 <a16:creationId xmlns:a16="http://schemas.microsoft.com/office/drawing/2014/main" id="{253BB306-8103-DC20-C678-52A8040D907C}"/>
@@ -5478,7 +5150,7 @@
       </p:pic>
       <p:pic>
         <p:nvPicPr>
-          <p:cNvPr id="1028" name="Picture 4">
+          <p:cNvPr id="1028" name="Picture 4" descr="Ein Bild, das Spiegel, Licht, Spiegelung enthält.&#10;&#10;Automatisch generierte Beschreibung">
             <a:extLst>
               <a:ext uri="{FF2B5EF4-FFF2-40B4-BE49-F238E27FC236}">
                 <a16:creationId xmlns:a16="http://schemas.microsoft.com/office/drawing/2014/main" id="{A71EA810-C77C-8094-3E1F-A34E864D54CF}"/>
@@ -8658,20 +8330,20 @@
 </file>
 
 <file path=customXml/item2.xml><?xml version="1.0" encoding="utf-8"?>
-<p:properties xmlns:p="http://schemas.microsoft.com/office/2006/metadata/properties" xmlns:xsi="http://www.w3.org/2001/XMLSchema-instance" xmlns:pc="http://schemas.microsoft.com/office/infopath/2007/PartnerControls">
-  <documentManagement>
-    <_activity xmlns="c65135b6-b3e3-4a3e-bd3d-5c7daaea053e" xsi:nil="true"/>
-  </documentManagement>
-</p:properties>
-</file>
-
-<file path=customXml/item3.xml><?xml version="1.0" encoding="utf-8"?>
 <?mso-contentType ?>
 <FormTemplates xmlns="http://schemas.microsoft.com/sharepoint/v3/contenttype/forms">
   <Display>DocumentLibraryForm</Display>
   <Edit>DocumentLibraryForm</Edit>
   <New>DocumentLibraryForm</New>
 </FormTemplates>
+</file>
+
+<file path=customXml/item3.xml><?xml version="1.0" encoding="utf-8"?>
+<p:properties xmlns:p="http://schemas.microsoft.com/office/2006/metadata/properties" xmlns:xsi="http://www.w3.org/2001/XMLSchema-instance" xmlns:pc="http://schemas.microsoft.com/office/infopath/2007/PartnerControls">
+  <documentManagement>
+    <_activity xmlns="c65135b6-b3e3-4a3e-bd3d-5c7daaea053e" xsi:nil="true"/>
+  </documentManagement>
+</p:properties>
 </file>
 
 <file path=customXml/itemProps1.xml><?xml version="1.0" encoding="utf-8"?>
@@ -8694,6 +8366,14 @@
 </file>
 
 <file path=customXml/itemProps2.xml><?xml version="1.0" encoding="utf-8"?>
+<ds:datastoreItem xmlns:ds="http://schemas.openxmlformats.org/officeDocument/2006/customXml" ds:itemID="{E8C4CBB4-305E-4D12-B84E-20DD746EF94F}">
+  <ds:schemaRefs>
+    <ds:schemaRef ds:uri="http://schemas.microsoft.com/sharepoint/v3/contenttype/forms"/>
+  </ds:schemaRefs>
+</ds:datastoreItem>
+</file>
+
+<file path=customXml/itemProps3.xml><?xml version="1.0" encoding="utf-8"?>
 <ds:datastoreItem xmlns:ds="http://schemas.openxmlformats.org/officeDocument/2006/customXml" ds:itemID="{F5B63B1B-08C1-48BA-AEB5-F1A005C9312C}">
   <ds:schemaRefs>
     <ds:schemaRef ds:uri="c65135b6-b3e3-4a3e-bd3d-5c7daaea053e"/>
@@ -8708,12 +8388,4 @@
     <ds:schemaRef ds:uri="http://purl.org/dc/elements/1.1/"/>
   </ds:schemaRefs>
 </ds:datastoreItem>
-</file>
-
-<file path=customXml/itemProps3.xml><?xml version="1.0" encoding="utf-8"?>
-<ds:datastoreItem xmlns:ds="http://schemas.openxmlformats.org/officeDocument/2006/customXml" ds:itemID="{E8C4CBB4-305E-4D12-B84E-20DD746EF94F}">
-  <ds:schemaRefs>
-    <ds:schemaRef ds:uri="http://schemas.microsoft.com/sharepoint/v3/contenttype/forms"/>
-  </ds:schemaRefs>
-</ds:datastoreItem>
 </file>